--- a/Proposal/RFID_Prorosal.pptx
+++ b/Proposal/RFID_Prorosal.pptx
@@ -2174,7 +2174,7 @@
           <p:cNvPr id="20" name="Group 19">
             <a:extLst>
               <a:ext uri="{FF2B5EF4-FFF2-40B4-BE49-F238E27FC236}">
-                <a16:creationId xmlns="" xmlns:a16="http://schemas.microsoft.com/office/drawing/2014/main" id="{C3ED851A-5624-9445-94A3-FC256390EFF0}"/>
+                <a16:creationId xmlns:a16="http://schemas.microsoft.com/office/drawing/2014/main" xmlns="" id="{C3ED851A-5624-9445-94A3-FC256390EFF0}"/>
               </a:ext>
             </a:extLst>
           </p:cNvPr>
@@ -2194,7 +2194,7 @@
             <p:cNvPr id="21" name="箭號: 五邊形 12">
               <a:extLst>
                 <a:ext uri="{FF2B5EF4-FFF2-40B4-BE49-F238E27FC236}">
-                  <a16:creationId xmlns="" xmlns:a16="http://schemas.microsoft.com/office/drawing/2014/main" id="{7DED8486-E1FD-814E-B2DE-F488A3CEA671}"/>
+                  <a16:creationId xmlns:a16="http://schemas.microsoft.com/office/drawing/2014/main" xmlns="" id="{7DED8486-E1FD-814E-B2DE-F488A3CEA671}"/>
                 </a:ext>
               </a:extLst>
             </p:cNvPr>
@@ -2246,7 +2246,7 @@
             <p:cNvPr id="23" name="箭號: 五邊形 12">
               <a:extLst>
                 <a:ext uri="{FF2B5EF4-FFF2-40B4-BE49-F238E27FC236}">
-                  <a16:creationId xmlns="" xmlns:a16="http://schemas.microsoft.com/office/drawing/2014/main" id="{8C392F49-5181-FA4B-9412-A387B34C316C}"/>
+                  <a16:creationId xmlns:a16="http://schemas.microsoft.com/office/drawing/2014/main" xmlns="" id="{8C392F49-5181-FA4B-9412-A387B34C316C}"/>
                 </a:ext>
               </a:extLst>
             </p:cNvPr>
@@ -2305,7 +2305,7 @@
             <p:cNvPr id="26" name="箭號: 五邊形 12">
               <a:extLst>
                 <a:ext uri="{FF2B5EF4-FFF2-40B4-BE49-F238E27FC236}">
-                  <a16:creationId xmlns="" xmlns:a16="http://schemas.microsoft.com/office/drawing/2014/main" id="{A2A2AEE9-8884-2D45-AA3A-3CE8B669A441}"/>
+                  <a16:creationId xmlns:a16="http://schemas.microsoft.com/office/drawing/2014/main" xmlns="" id="{A2A2AEE9-8884-2D45-AA3A-3CE8B669A441}"/>
                 </a:ext>
               </a:extLst>
             </p:cNvPr>
@@ -2734,7 +2734,7 @@
           <p:cNvPr id="34" name="Text Placeholder 3">
             <a:extLst>
               <a:ext uri="{FF2B5EF4-FFF2-40B4-BE49-F238E27FC236}">
-                <a16:creationId xmlns="" xmlns:a16="http://schemas.microsoft.com/office/drawing/2014/main" id="{CB4F27FF-A5B2-0945-A886-8994C9CF0F9A}"/>
+                <a16:creationId xmlns:a16="http://schemas.microsoft.com/office/drawing/2014/main" xmlns="" id="{CB4F27FF-A5B2-0945-A886-8994C9CF0F9A}"/>
               </a:ext>
             </a:extLst>
           </p:cNvPr>
@@ -2788,7 +2788,7 @@
           <p:cNvPr id="35" name="Content Placeholder 5">
             <a:extLst>
               <a:ext uri="{FF2B5EF4-FFF2-40B4-BE49-F238E27FC236}">
-                <a16:creationId xmlns="" xmlns:a16="http://schemas.microsoft.com/office/drawing/2014/main" id="{1CE5651F-F4F6-9D45-A553-66B6FFCA522B}"/>
+                <a16:creationId xmlns:a16="http://schemas.microsoft.com/office/drawing/2014/main" xmlns="" id="{1CE5651F-F4F6-9D45-A553-66B6FFCA522B}"/>
               </a:ext>
             </a:extLst>
           </p:cNvPr>
@@ -2836,7 +2836,7 @@
           <p:cNvPr id="6" name="Picture 5">
             <a:extLst>
               <a:ext uri="{FF2B5EF4-FFF2-40B4-BE49-F238E27FC236}">
-                <a16:creationId xmlns="" xmlns:a16="http://schemas.microsoft.com/office/drawing/2014/main" id="{5BB22815-3E3B-0B48-9DCA-B05C2D5B9D70}"/>
+                <a16:creationId xmlns:a16="http://schemas.microsoft.com/office/drawing/2014/main" xmlns="" id="{5BB22815-3E3B-0B48-9DCA-B05C2D5B9D70}"/>
               </a:ext>
             </a:extLst>
           </p:cNvPr>
@@ -3938,7 +3938,7 @@
           <p:cNvPr id="15" name="直排文字版面配置區 2">
             <a:extLst>
               <a:ext uri="{FF2B5EF4-FFF2-40B4-BE49-F238E27FC236}">
-                <a16:creationId xmlns="" xmlns:a16="http://schemas.microsoft.com/office/drawing/2014/main" id="{5B0754CD-A593-D647-8F43-33A88CDADB61}"/>
+                <a16:creationId xmlns:a16="http://schemas.microsoft.com/office/drawing/2014/main" xmlns="" id="{5B0754CD-A593-D647-8F43-33A88CDADB61}"/>
               </a:ext>
             </a:extLst>
           </p:cNvPr>
@@ -4148,7 +4148,7 @@
           <p:cNvPr id="20" name="Group 19">
             <a:extLst>
               <a:ext uri="{FF2B5EF4-FFF2-40B4-BE49-F238E27FC236}">
-                <a16:creationId xmlns="" xmlns:a16="http://schemas.microsoft.com/office/drawing/2014/main" id="{C3ED851A-5624-9445-94A3-FC256390EFF0}"/>
+                <a16:creationId xmlns:a16="http://schemas.microsoft.com/office/drawing/2014/main" xmlns="" id="{C3ED851A-5624-9445-94A3-FC256390EFF0}"/>
               </a:ext>
             </a:extLst>
           </p:cNvPr>
@@ -4168,7 +4168,7 @@
             <p:cNvPr id="21" name="箭號: 五邊形 12">
               <a:extLst>
                 <a:ext uri="{FF2B5EF4-FFF2-40B4-BE49-F238E27FC236}">
-                  <a16:creationId xmlns="" xmlns:a16="http://schemas.microsoft.com/office/drawing/2014/main" id="{7DED8486-E1FD-814E-B2DE-F488A3CEA671}"/>
+                  <a16:creationId xmlns:a16="http://schemas.microsoft.com/office/drawing/2014/main" xmlns="" id="{7DED8486-E1FD-814E-B2DE-F488A3CEA671}"/>
                 </a:ext>
               </a:extLst>
             </p:cNvPr>
@@ -4220,7 +4220,7 @@
             <p:cNvPr id="23" name="箭號: 五邊形 12">
               <a:extLst>
                 <a:ext uri="{FF2B5EF4-FFF2-40B4-BE49-F238E27FC236}">
-                  <a16:creationId xmlns="" xmlns:a16="http://schemas.microsoft.com/office/drawing/2014/main" id="{8C392F49-5181-FA4B-9412-A387B34C316C}"/>
+                  <a16:creationId xmlns:a16="http://schemas.microsoft.com/office/drawing/2014/main" xmlns="" id="{8C392F49-5181-FA4B-9412-A387B34C316C}"/>
                 </a:ext>
               </a:extLst>
             </p:cNvPr>
@@ -4279,7 +4279,7 @@
             <p:cNvPr id="26" name="箭號: 五邊形 12">
               <a:extLst>
                 <a:ext uri="{FF2B5EF4-FFF2-40B4-BE49-F238E27FC236}">
-                  <a16:creationId xmlns="" xmlns:a16="http://schemas.microsoft.com/office/drawing/2014/main" id="{A2A2AEE9-8884-2D45-AA3A-3CE8B669A441}"/>
+                  <a16:creationId xmlns:a16="http://schemas.microsoft.com/office/drawing/2014/main" xmlns="" id="{A2A2AEE9-8884-2D45-AA3A-3CE8B669A441}"/>
                 </a:ext>
               </a:extLst>
             </p:cNvPr>
@@ -4708,7 +4708,7 @@
           <p:cNvPr id="34" name="Text Placeholder 3">
             <a:extLst>
               <a:ext uri="{FF2B5EF4-FFF2-40B4-BE49-F238E27FC236}">
-                <a16:creationId xmlns="" xmlns:a16="http://schemas.microsoft.com/office/drawing/2014/main" id="{CB4F27FF-A5B2-0945-A886-8994C9CF0F9A}"/>
+                <a16:creationId xmlns:a16="http://schemas.microsoft.com/office/drawing/2014/main" xmlns="" id="{CB4F27FF-A5B2-0945-A886-8994C9CF0F9A}"/>
               </a:ext>
             </a:extLst>
           </p:cNvPr>
@@ -4762,7 +4762,7 @@
           <p:cNvPr id="35" name="Content Placeholder 5">
             <a:extLst>
               <a:ext uri="{FF2B5EF4-FFF2-40B4-BE49-F238E27FC236}">
-                <a16:creationId xmlns="" xmlns:a16="http://schemas.microsoft.com/office/drawing/2014/main" id="{1CE5651F-F4F6-9D45-A553-66B6FFCA522B}"/>
+                <a16:creationId xmlns:a16="http://schemas.microsoft.com/office/drawing/2014/main" xmlns="" id="{1CE5651F-F4F6-9D45-A553-66B6FFCA522B}"/>
               </a:ext>
             </a:extLst>
           </p:cNvPr>
@@ -4810,7 +4810,7 @@
           <p:cNvPr id="6" name="Picture 5">
             <a:extLst>
               <a:ext uri="{FF2B5EF4-FFF2-40B4-BE49-F238E27FC236}">
-                <a16:creationId xmlns="" xmlns:a16="http://schemas.microsoft.com/office/drawing/2014/main" id="{5BB22815-3E3B-0B48-9DCA-B05C2D5B9D70}"/>
+                <a16:creationId xmlns:a16="http://schemas.microsoft.com/office/drawing/2014/main" xmlns="" id="{5BB22815-3E3B-0B48-9DCA-B05C2D5B9D70}"/>
               </a:ext>
             </a:extLst>
           </p:cNvPr>
@@ -5522,7 +5522,7 @@
           <p:cNvPr id="12" name="Group 11">
             <a:extLst>
               <a:ext uri="{FF2B5EF4-FFF2-40B4-BE49-F238E27FC236}">
-                <a16:creationId xmlns="" xmlns:a16="http://schemas.microsoft.com/office/drawing/2014/main" id="{FECCA331-FFA6-F840-9C60-BF25ACF3BDB5}"/>
+                <a16:creationId xmlns:a16="http://schemas.microsoft.com/office/drawing/2014/main" xmlns="" id="{FECCA331-FFA6-F840-9C60-BF25ACF3BDB5}"/>
               </a:ext>
             </a:extLst>
           </p:cNvPr>
@@ -5542,7 +5542,7 @@
             <p:cNvPr id="13" name="箭號: 五邊形 12">
               <a:extLst>
                 <a:ext uri="{FF2B5EF4-FFF2-40B4-BE49-F238E27FC236}">
-                  <a16:creationId xmlns="" xmlns:a16="http://schemas.microsoft.com/office/drawing/2014/main" id="{1ECC6466-4EFD-5345-BC17-67AB57731DB7}"/>
+                  <a16:creationId xmlns:a16="http://schemas.microsoft.com/office/drawing/2014/main" xmlns="" id="{1ECC6466-4EFD-5345-BC17-67AB57731DB7}"/>
                 </a:ext>
               </a:extLst>
             </p:cNvPr>
@@ -5594,7 +5594,7 @@
             <p:cNvPr id="14" name="箭號: 五邊形 12">
               <a:extLst>
                 <a:ext uri="{FF2B5EF4-FFF2-40B4-BE49-F238E27FC236}">
-                  <a16:creationId xmlns="" xmlns:a16="http://schemas.microsoft.com/office/drawing/2014/main" id="{6CF55724-0A99-E64A-AB4C-0938CB62E153}"/>
+                  <a16:creationId xmlns:a16="http://schemas.microsoft.com/office/drawing/2014/main" xmlns="" id="{6CF55724-0A99-E64A-AB4C-0938CB62E153}"/>
                 </a:ext>
               </a:extLst>
             </p:cNvPr>
@@ -5653,7 +5653,7 @@
             <p:cNvPr id="15" name="箭號: 五邊形 12">
               <a:extLst>
                 <a:ext uri="{FF2B5EF4-FFF2-40B4-BE49-F238E27FC236}">
-                  <a16:creationId xmlns="" xmlns:a16="http://schemas.microsoft.com/office/drawing/2014/main" id="{D65D1FB8-4CF4-8B4A-A307-6F7F618C0D88}"/>
+                  <a16:creationId xmlns:a16="http://schemas.microsoft.com/office/drawing/2014/main" xmlns="" id="{D65D1FB8-4CF4-8B4A-A307-6F7F618C0D88}"/>
                 </a:ext>
               </a:extLst>
             </p:cNvPr>
@@ -5962,7 +5962,7 @@
           <p:cNvPr id="5" name="Picture 4">
             <a:extLst>
               <a:ext uri="{FF2B5EF4-FFF2-40B4-BE49-F238E27FC236}">
-                <a16:creationId xmlns="" xmlns:a16="http://schemas.microsoft.com/office/drawing/2014/main" id="{33C27645-19DC-4542-810A-E94761D6E227}"/>
+                <a16:creationId xmlns:a16="http://schemas.microsoft.com/office/drawing/2014/main" xmlns="" id="{33C27645-19DC-4542-810A-E94761D6E227}"/>
               </a:ext>
             </a:extLst>
           </p:cNvPr>
@@ -6461,7 +6461,7 @@
           <p:cNvPr id="23" name="內容版面配置區 2">
             <a:extLst>
               <a:ext uri="{FF2B5EF4-FFF2-40B4-BE49-F238E27FC236}">
-                <a16:creationId xmlns="" xmlns:a16="http://schemas.microsoft.com/office/drawing/2014/main" id="{9D1178A4-A62F-AE47-B4FD-DFBDEBC0B7E1}"/>
+                <a16:creationId xmlns:a16="http://schemas.microsoft.com/office/drawing/2014/main" xmlns="" id="{9D1178A4-A62F-AE47-B4FD-DFBDEBC0B7E1}"/>
               </a:ext>
             </a:extLst>
           </p:cNvPr>
@@ -6608,7 +6608,7 @@
           <p:cNvPr id="24" name="內容版面配置區 2">
             <a:extLst>
               <a:ext uri="{FF2B5EF4-FFF2-40B4-BE49-F238E27FC236}">
-                <a16:creationId xmlns="" xmlns:a16="http://schemas.microsoft.com/office/drawing/2014/main" id="{18BDE748-AF06-9848-B53D-40087470A386}"/>
+                <a16:creationId xmlns:a16="http://schemas.microsoft.com/office/drawing/2014/main" xmlns="" id="{18BDE748-AF06-9848-B53D-40087470A386}"/>
               </a:ext>
             </a:extLst>
           </p:cNvPr>
@@ -7359,7 +7359,7 @@
           <p:cNvPr id="20" name="內容版面配置區 2">
             <a:extLst>
               <a:ext uri="{FF2B5EF4-FFF2-40B4-BE49-F238E27FC236}">
-                <a16:creationId xmlns="" xmlns:a16="http://schemas.microsoft.com/office/drawing/2014/main" id="{9A4A12A5-18A4-CA4A-8E68-97EAFD19927B}"/>
+                <a16:creationId xmlns:a16="http://schemas.microsoft.com/office/drawing/2014/main" xmlns="" id="{9A4A12A5-18A4-CA4A-8E68-97EAFD19927B}"/>
               </a:ext>
             </a:extLst>
           </p:cNvPr>
@@ -7506,7 +7506,7 @@
           <p:cNvPr id="21" name="內容版面配置區 2">
             <a:extLst>
               <a:ext uri="{FF2B5EF4-FFF2-40B4-BE49-F238E27FC236}">
-                <a16:creationId xmlns="" xmlns:a16="http://schemas.microsoft.com/office/drawing/2014/main" id="{E09B3CAD-22B9-BC48-9D7D-2345FF14DD38}"/>
+                <a16:creationId xmlns:a16="http://schemas.microsoft.com/office/drawing/2014/main" xmlns="" id="{E09B3CAD-22B9-BC48-9D7D-2345FF14DD38}"/>
               </a:ext>
             </a:extLst>
           </p:cNvPr>
@@ -8423,7 +8423,7 @@
           <p:cNvPr id="5" name="Group 4">
             <a:extLst>
               <a:ext uri="{FF2B5EF4-FFF2-40B4-BE49-F238E27FC236}">
-                <a16:creationId xmlns="" xmlns:a16="http://schemas.microsoft.com/office/drawing/2014/main" id="{4DADA6C2-E637-F642-95E5-0309E3EB9F41}"/>
+                <a16:creationId xmlns:a16="http://schemas.microsoft.com/office/drawing/2014/main" xmlns="" id="{4DADA6C2-E637-F642-95E5-0309E3EB9F41}"/>
               </a:ext>
             </a:extLst>
           </p:cNvPr>
@@ -8443,7 +8443,7 @@
             <p:cNvPr id="17" name="箭號: 五邊形 12">
               <a:extLst>
                 <a:ext uri="{FF2B5EF4-FFF2-40B4-BE49-F238E27FC236}">
-                  <a16:creationId xmlns="" xmlns:a16="http://schemas.microsoft.com/office/drawing/2014/main" id="{C3424005-2947-5749-B94D-7EE01D59B97D}"/>
+                  <a16:creationId xmlns:a16="http://schemas.microsoft.com/office/drawing/2014/main" xmlns="" id="{C3424005-2947-5749-B94D-7EE01D59B97D}"/>
                 </a:ext>
               </a:extLst>
             </p:cNvPr>
@@ -8495,7 +8495,7 @@
             <p:cNvPr id="16" name="箭號: 五邊形 12">
               <a:extLst>
                 <a:ext uri="{FF2B5EF4-FFF2-40B4-BE49-F238E27FC236}">
-                  <a16:creationId xmlns="" xmlns:a16="http://schemas.microsoft.com/office/drawing/2014/main" id="{78B68587-E393-9C46-A4CA-137BCC2B13AD}"/>
+                  <a16:creationId xmlns:a16="http://schemas.microsoft.com/office/drawing/2014/main" xmlns="" id="{78B68587-E393-9C46-A4CA-137BCC2B13AD}"/>
                 </a:ext>
               </a:extLst>
             </p:cNvPr>
@@ -8963,7 +8963,7 @@
           <p:cNvPr id="18" name="內容版面配置區 2">
             <a:extLst>
               <a:ext uri="{FF2B5EF4-FFF2-40B4-BE49-F238E27FC236}">
-                <a16:creationId xmlns="" xmlns:a16="http://schemas.microsoft.com/office/drawing/2014/main" id="{BB9680E6-3D9F-FF42-BA19-F206A773FE60}"/>
+                <a16:creationId xmlns:a16="http://schemas.microsoft.com/office/drawing/2014/main" xmlns="" id="{BB9680E6-3D9F-FF42-BA19-F206A773FE60}"/>
               </a:ext>
             </a:extLst>
           </p:cNvPr>
@@ -9148,7 +9148,7 @@
           <p:cNvPr id="15" name="Group 14">
             <a:extLst>
               <a:ext uri="{FF2B5EF4-FFF2-40B4-BE49-F238E27FC236}">
-                <a16:creationId xmlns="" xmlns:a16="http://schemas.microsoft.com/office/drawing/2014/main" id="{7108562A-19D8-3347-A5CB-8FD2094D2AC6}"/>
+                <a16:creationId xmlns:a16="http://schemas.microsoft.com/office/drawing/2014/main" xmlns="" id="{7108562A-19D8-3347-A5CB-8FD2094D2AC6}"/>
               </a:ext>
             </a:extLst>
           </p:cNvPr>
@@ -9168,7 +9168,7 @@
             <p:cNvPr id="16" name="箭號: 五邊形 12">
               <a:extLst>
                 <a:ext uri="{FF2B5EF4-FFF2-40B4-BE49-F238E27FC236}">
-                  <a16:creationId xmlns="" xmlns:a16="http://schemas.microsoft.com/office/drawing/2014/main" id="{0350FA7D-8512-F24E-9F36-7F4296D197F2}"/>
+                  <a16:creationId xmlns:a16="http://schemas.microsoft.com/office/drawing/2014/main" xmlns="" id="{0350FA7D-8512-F24E-9F36-7F4296D197F2}"/>
                 </a:ext>
               </a:extLst>
             </p:cNvPr>
@@ -9220,7 +9220,7 @@
             <p:cNvPr id="17" name="箭號: 五邊形 12">
               <a:extLst>
                 <a:ext uri="{FF2B5EF4-FFF2-40B4-BE49-F238E27FC236}">
-                  <a16:creationId xmlns="" xmlns:a16="http://schemas.microsoft.com/office/drawing/2014/main" id="{125DE2BA-1E8B-2447-AEBE-4BDB2873316E}"/>
+                  <a16:creationId xmlns:a16="http://schemas.microsoft.com/office/drawing/2014/main" xmlns="" id="{125DE2BA-1E8B-2447-AEBE-4BDB2873316E}"/>
                 </a:ext>
               </a:extLst>
             </p:cNvPr>
@@ -9279,7 +9279,7 @@
             <p:cNvPr id="18" name="箭號: 五邊形 12">
               <a:extLst>
                 <a:ext uri="{FF2B5EF4-FFF2-40B4-BE49-F238E27FC236}">
-                  <a16:creationId xmlns="" xmlns:a16="http://schemas.microsoft.com/office/drawing/2014/main" id="{467877CF-B77C-BE4F-8D6F-89063BBFC3DE}"/>
+                  <a16:creationId xmlns:a16="http://schemas.microsoft.com/office/drawing/2014/main" xmlns="" id="{467877CF-B77C-BE4F-8D6F-89063BBFC3DE}"/>
                 </a:ext>
               </a:extLst>
             </p:cNvPr>
@@ -9642,7 +9642,7 @@
           <p:cNvPr id="22" name="標題 1">
             <a:extLst>
               <a:ext uri="{FF2B5EF4-FFF2-40B4-BE49-F238E27FC236}">
-                <a16:creationId xmlns="" xmlns:a16="http://schemas.microsoft.com/office/drawing/2014/main" id="{6E193196-9107-784C-A964-C67153D060CB}"/>
+                <a16:creationId xmlns:a16="http://schemas.microsoft.com/office/drawing/2014/main" xmlns="" id="{6E193196-9107-784C-A964-C67153D060CB}"/>
               </a:ext>
             </a:extLst>
           </p:cNvPr>
@@ -9685,7 +9685,7 @@
           <p:cNvPr id="24" name="文字版面配置區 3">
             <a:extLst>
               <a:ext uri="{FF2B5EF4-FFF2-40B4-BE49-F238E27FC236}">
-                <a16:creationId xmlns="" xmlns:a16="http://schemas.microsoft.com/office/drawing/2014/main" id="{5922BEEB-F3AC-E443-B34D-CE264A982284}"/>
+                <a16:creationId xmlns:a16="http://schemas.microsoft.com/office/drawing/2014/main" xmlns="" id="{5922BEEB-F3AC-E443-B34D-CE264A982284}"/>
               </a:ext>
             </a:extLst>
           </p:cNvPr>
@@ -10241,14 +10241,7 @@
                 <a:latin typeface="Times New Roman" panose="02020603050405020304" pitchFamily="18" charset="0"/>
                 <a:cs typeface="Times New Roman" panose="02020603050405020304" pitchFamily="18" charset="0"/>
               </a:rPr>
-              <a:t>NCTU NSS </a:t>
-            </a:r>
-            <a:r>
-              <a:rPr lang="en-US" altLang="zh-TW" dirty="0" smtClean="0">
-                <a:latin typeface="Times New Roman" panose="02020603050405020304" pitchFamily="18" charset="0"/>
-                <a:cs typeface="Times New Roman" panose="02020603050405020304" pitchFamily="18" charset="0"/>
-              </a:rPr>
-              <a:t>2018</a:t>
+              <a:t>NCTU NSS 2018</a:t>
             </a:r>
             <a:endParaRPr lang="en-US" altLang="zh-TW" dirty="0">
               <a:latin typeface="Times New Roman" panose="02020603050405020304" pitchFamily="18" charset="0"/>
@@ -10297,14 +10290,7 @@
                 <a:latin typeface="Times New Roman" panose="02020603050405020304" pitchFamily="18" charset="0"/>
                 <a:cs typeface="Times New Roman" panose="02020603050405020304" pitchFamily="18" charset="0"/>
               </a:rPr>
-              <a:t>2018.08.09 </a:t>
-            </a:r>
-            <a:r>
-              <a:rPr lang="en-US" altLang="zh-TW" dirty="0" smtClean="0">
-                <a:latin typeface="Times New Roman" panose="02020603050405020304" pitchFamily="18" charset="0"/>
-                <a:cs typeface="Times New Roman" panose="02020603050405020304" pitchFamily="18" charset="0"/>
-              </a:rPr>
-              <a:t>@NCTU </a:t>
+              <a:t>2018.08.09 @NCTU </a:t>
             </a:r>
             <a:r>
               <a:rPr lang="en-US" altLang="zh-TW" dirty="0">
@@ -13302,6 +13288,51 @@
         <p:txBody>
           <a:bodyPr/>
           <a:lstStyle/>
+          <a:p>
+            <a:pPr fontAlgn="base">
+              <a:lnSpc>
+                <a:spcPct val="150000"/>
+              </a:lnSpc>
+            </a:pPr>
+            <a:r>
+              <a:rPr lang="en-US" altLang="zh-TW" sz="2400" dirty="0" smtClean="0">
+                <a:latin typeface="Times New Roman" charset="0"/>
+                <a:ea typeface="Times New Roman" charset="0"/>
+                <a:cs typeface="Times New Roman" charset="0"/>
+              </a:rPr>
+              <a:t>Environment Statement</a:t>
+            </a:r>
+          </a:p>
+          <a:p>
+            <a:pPr fontAlgn="base">
+              <a:lnSpc>
+                <a:spcPct val="150000"/>
+              </a:lnSpc>
+            </a:pPr>
+            <a:r>
+              <a:rPr lang="en-US" altLang="zh-TW" sz="2400" dirty="0" smtClean="0">
+                <a:latin typeface="Times New Roman" charset="0"/>
+                <a:ea typeface="Times New Roman" charset="0"/>
+                <a:cs typeface="Times New Roman" charset="0"/>
+              </a:rPr>
+              <a:t>Motivation </a:t>
+            </a:r>
+          </a:p>
+          <a:p>
+            <a:pPr fontAlgn="base">
+              <a:lnSpc>
+                <a:spcPct val="150000"/>
+              </a:lnSpc>
+            </a:pPr>
+            <a:r>
+              <a:rPr lang="en-US" altLang="zh-TW" sz="2400" dirty="0" smtClean="0">
+                <a:latin typeface="Times New Roman" charset="0"/>
+                <a:ea typeface="Times New Roman" charset="0"/>
+                <a:cs typeface="Times New Roman" charset="0"/>
+              </a:rPr>
+              <a:t>Challenge</a:t>
+            </a:r>
+          </a:p>
           <a:p>
             <a:pPr fontAlgn="base">
               <a:lnSpc>

--- a/Proposal/RFID_Prorosal.pptx
+++ b/Proposal/RFID_Prorosal.pptx
@@ -10373,7 +10373,48 @@
           <a:bodyPr/>
           <a:lstStyle/>
           <a:p>
-            <a:endParaRPr kumimoji="1" lang="zh-TW" altLang="en-US" dirty="0"/>
+            <a:r>
+              <a:rPr lang="en-US" altLang="zh-TW" dirty="0"/>
+              <a:t>how to detect the </a:t>
+            </a:r>
+            <a:r>
+              <a:rPr lang="en-US" altLang="zh-TW" dirty="0" err="1"/>
+              <a:t>subregion</a:t>
+            </a:r>
+            <a:r>
+              <a:rPr lang="en-US" altLang="zh-TW" dirty="0"/>
+              <a:t>: Detect for the signal variation in each region</a:t>
+            </a:r>
+          </a:p>
+          <a:p>
+            <a:r>
+              <a:rPr lang="en-US" altLang="zh-TW" dirty="0"/>
+              <a:t>how to detect unknown tag: when we found the signal variation, asking for the ID and start tracking it.</a:t>
+            </a:r>
+          </a:p>
+          <a:p>
+            <a:r>
+              <a:rPr lang="en-US" altLang="zh-TW" dirty="0"/>
+              <a:t>how to </a:t>
+            </a:r>
+            <a:r>
+              <a:rPr lang="en-US" altLang="zh-TW"/>
+              <a:t>match </a:t>
+            </a:r>
+            <a:r>
+              <a:rPr lang="en-US" altLang="zh-TW" smtClean="0"/>
+              <a:t>tag-object</a:t>
+            </a:r>
+            <a:r>
+              <a:rPr lang="en-US" altLang="zh-TW" dirty="0"/>
+              <a:t>: pair the tags</a:t>
+            </a:r>
+          </a:p>
+          <a:p>
+            <a:pPr marL="11112" indent="0">
+              <a:buNone/>
+            </a:pPr>
+            <a:endParaRPr kumimoji="1" lang="en-US" altLang="zh-TW" dirty="0" smtClean="0"/>
           </a:p>
         </p:txBody>
       </p:sp>

--- a/Proposal/RFID_Prorosal.pptx
+++ b/Proposal/RFID_Prorosal.pptx
@@ -10395,14 +10395,10 @@
           <a:p>
             <a:r>
               <a:rPr lang="en-US" altLang="zh-TW" dirty="0"/>
-              <a:t>how to </a:t>
-            </a:r>
-            <a:r>
-              <a:rPr lang="en-US" altLang="zh-TW"/>
-              <a:t>match </a:t>
-            </a:r>
-            <a:r>
-              <a:rPr lang="en-US" altLang="zh-TW" smtClean="0"/>
+              <a:t>how to match </a:t>
+            </a:r>
+            <a:r>
+              <a:rPr lang="en-US" altLang="zh-TW" dirty="0" smtClean="0"/>
               <a:t>tag-object</a:t>
             </a:r>
             <a:r>
